--- a/Lectures/Lecture 7/Lecture 7.pptx
+++ b/Lectures/Lecture 7/Lecture 7.pptx
@@ -230,7 +230,7 @@
           <a:p>
             <a:fld id="{467FE51A-BC06-4E6F-B1DA-B477364E598F}" type="datetimeFigureOut">
               <a:rPr lang="en-US" smtClean="0"/>
-              <a:t>1/26/2020</a:t>
+              <a:t>1/27/2020</a:t>
             </a:fld>
             <a:endParaRPr lang="en-US"/>
           </a:p>
@@ -644,7 +644,7 @@
           <a:p>
             <a:fld id="{11C4ABE2-2F1A-4C31-A43A-C3E7CE49CE95}" type="datetimeFigureOut">
               <a:rPr lang="en-US" smtClean="0"/>
-              <a:t>1/26/2020</a:t>
+              <a:t>1/27/2020</a:t>
             </a:fld>
             <a:endParaRPr lang="en-US"/>
           </a:p>
@@ -842,7 +842,7 @@
           <a:p>
             <a:fld id="{11C4ABE2-2F1A-4C31-A43A-C3E7CE49CE95}" type="datetimeFigureOut">
               <a:rPr lang="en-US" smtClean="0"/>
-              <a:t>1/26/2020</a:t>
+              <a:t>1/27/2020</a:t>
             </a:fld>
             <a:endParaRPr lang="en-US"/>
           </a:p>
@@ -1050,7 +1050,7 @@
           <a:p>
             <a:fld id="{11C4ABE2-2F1A-4C31-A43A-C3E7CE49CE95}" type="datetimeFigureOut">
               <a:rPr lang="en-US" smtClean="0"/>
-              <a:t>1/26/2020</a:t>
+              <a:t>1/27/2020</a:t>
             </a:fld>
             <a:endParaRPr lang="en-US"/>
           </a:p>
@@ -1248,7 +1248,7 @@
           <a:p>
             <a:fld id="{11C4ABE2-2F1A-4C31-A43A-C3E7CE49CE95}" type="datetimeFigureOut">
               <a:rPr lang="en-US" smtClean="0"/>
-              <a:t>1/26/2020</a:t>
+              <a:t>1/27/2020</a:t>
             </a:fld>
             <a:endParaRPr lang="en-US"/>
           </a:p>
@@ -1523,7 +1523,7 @@
           <a:p>
             <a:fld id="{11C4ABE2-2F1A-4C31-A43A-C3E7CE49CE95}" type="datetimeFigureOut">
               <a:rPr lang="en-US" smtClean="0"/>
-              <a:t>1/26/2020</a:t>
+              <a:t>1/27/2020</a:t>
             </a:fld>
             <a:endParaRPr lang="en-US"/>
           </a:p>
@@ -1788,7 +1788,7 @@
           <a:p>
             <a:fld id="{11C4ABE2-2F1A-4C31-A43A-C3E7CE49CE95}" type="datetimeFigureOut">
               <a:rPr lang="en-US" smtClean="0"/>
-              <a:t>1/26/2020</a:t>
+              <a:t>1/27/2020</a:t>
             </a:fld>
             <a:endParaRPr lang="en-US"/>
           </a:p>
@@ -2200,7 +2200,7 @@
           <a:p>
             <a:fld id="{11C4ABE2-2F1A-4C31-A43A-C3E7CE49CE95}" type="datetimeFigureOut">
               <a:rPr lang="en-US" smtClean="0"/>
-              <a:t>1/26/2020</a:t>
+              <a:t>1/27/2020</a:t>
             </a:fld>
             <a:endParaRPr lang="en-US"/>
           </a:p>
@@ -2341,7 +2341,7 @@
           <a:p>
             <a:fld id="{11C4ABE2-2F1A-4C31-A43A-C3E7CE49CE95}" type="datetimeFigureOut">
               <a:rPr lang="en-US" smtClean="0"/>
-              <a:t>1/26/2020</a:t>
+              <a:t>1/27/2020</a:t>
             </a:fld>
             <a:endParaRPr lang="en-US"/>
           </a:p>
@@ -2454,7 +2454,7 @@
           <a:p>
             <a:fld id="{11C4ABE2-2F1A-4C31-A43A-C3E7CE49CE95}" type="datetimeFigureOut">
               <a:rPr lang="en-US" smtClean="0"/>
-              <a:t>1/26/2020</a:t>
+              <a:t>1/27/2020</a:t>
             </a:fld>
             <a:endParaRPr lang="en-US"/>
           </a:p>
@@ -2765,7 +2765,7 @@
           <a:p>
             <a:fld id="{11C4ABE2-2F1A-4C31-A43A-C3E7CE49CE95}" type="datetimeFigureOut">
               <a:rPr lang="en-US" smtClean="0"/>
-              <a:t>1/26/2020</a:t>
+              <a:t>1/27/2020</a:t>
             </a:fld>
             <a:endParaRPr lang="en-US"/>
           </a:p>
@@ -3053,7 +3053,7 @@
           <a:p>
             <a:fld id="{11C4ABE2-2F1A-4C31-A43A-C3E7CE49CE95}" type="datetimeFigureOut">
               <a:rPr lang="en-US" smtClean="0"/>
-              <a:t>1/26/2020</a:t>
+              <a:t>1/27/2020</a:t>
             </a:fld>
             <a:endParaRPr lang="en-US"/>
           </a:p>
@@ -3294,7 +3294,7 @@
           <a:p>
             <a:fld id="{11C4ABE2-2F1A-4C31-A43A-C3E7CE49CE95}" type="datetimeFigureOut">
               <a:rPr lang="en-US" smtClean="0"/>
-              <a:t>1/26/2020</a:t>
+              <a:t>1/27/2020</a:t>
             </a:fld>
             <a:endParaRPr lang="en-US"/>
           </a:p>
@@ -9627,8 +9627,8 @@
           </a:p>
         </p:txBody>
       </p:sp>
-      <mc:AlternateContent xmlns:mc="http://schemas.openxmlformats.org/markup-compatibility/2006">
-        <mc:Choice xmlns:a14="http://schemas.microsoft.com/office/drawing/2010/main" Requires="a14">
+      <mc:AlternateContent xmlns:mc="http://schemas.openxmlformats.org/markup-compatibility/2006" xmlns:a14="http://schemas.microsoft.com/office/drawing/2010/main">
+        <mc:Choice Requires="a14">
           <p:sp>
             <p:nvSpPr>
               <p:cNvPr id="36" name="TextBox 35">
@@ -10046,7 +10046,7 @@
             </p:txBody>
           </p:sp>
         </mc:Choice>
-        <mc:Fallback>
+        <mc:Fallback xmlns="">
           <p:sp>
             <p:nvSpPr>
               <p:cNvPr id="36" name="TextBox 35">
@@ -10208,8 +10208,8 @@
           </a:prstGeom>
         </p:spPr>
       </p:pic>
-      <mc:AlternateContent xmlns:mc="http://schemas.openxmlformats.org/markup-compatibility/2006">
-        <mc:Choice xmlns:a14="http://schemas.microsoft.com/office/drawing/2010/main" Requires="a14">
+      <mc:AlternateContent xmlns:mc="http://schemas.openxmlformats.org/markup-compatibility/2006" xmlns:a14="http://schemas.microsoft.com/office/drawing/2010/main">
+        <mc:Choice Requires="a14">
           <p:sp>
             <p:nvSpPr>
               <p:cNvPr id="23" name="TextBox 22">
@@ -10727,7 +10727,6 @@
                 </a:endParaRPr>
               </a:p>
               <a:p>
-                <a:pPr/>
                 <a:endParaRPr lang="en-US" sz="2000" dirty="0">
                   <a:solidFill>
                     <a:srgbClr val="404040"/>
@@ -11155,7 +11154,6 @@
                 </a:endParaRPr>
               </a:p>
               <a:p>
-                <a:pPr/>
                 <a:r>
                   <a:rPr lang="en-US" sz="2000" dirty="0">
                     <a:solidFill>
@@ -11371,7 +11369,6 @@
                 </a:r>
               </a:p>
               <a:p>
-                <a:pPr/>
                 <a:endParaRPr lang="en-US" sz="2000" dirty="0">
                   <a:solidFill>
                     <a:srgbClr val="404040"/>
@@ -11380,7 +11377,6 @@
                 </a:endParaRPr>
               </a:p>
               <a:p>
-                <a:pPr/>
                 <a:r>
                   <a:rPr lang="en-US" sz="2000" dirty="0">
                     <a:solidFill>
@@ -11578,7 +11574,6 @@
                 </a:r>
               </a:p>
               <a:p>
-                <a:pPr/>
                 <a:r>
                   <a:rPr lang="en-US" sz="2000" dirty="0">
                     <a:solidFill>
@@ -11782,7 +11777,6 @@
                 </a:endParaRPr>
               </a:p>
               <a:p>
-                <a:pPr/>
                 <a:r>
                   <a:rPr lang="en-US" sz="2000" dirty="0">
                     <a:solidFill>
@@ -11980,7 +11974,6 @@
                 </a:r>
               </a:p>
               <a:p>
-                <a:pPr/>
                 <a:endParaRPr lang="en-US" sz="2000" dirty="0">
                   <a:solidFill>
                     <a:srgbClr val="404040"/>
@@ -11991,7 +11984,7 @@
             </p:txBody>
           </p:sp>
         </mc:Choice>
-        <mc:Fallback>
+        <mc:Fallback xmlns="">
           <p:sp>
             <p:nvSpPr>
               <p:cNvPr id="23" name="TextBox 22">
@@ -14993,8 +14986,8 @@
           </a:p>
         </p:txBody>
       </p:sp>
-      <mc:AlternateContent xmlns:mc="http://schemas.openxmlformats.org/markup-compatibility/2006">
-        <mc:Choice xmlns:a14="http://schemas.microsoft.com/office/drawing/2010/main" Requires="a14">
+      <mc:AlternateContent xmlns:mc="http://schemas.openxmlformats.org/markup-compatibility/2006" xmlns:a14="http://schemas.microsoft.com/office/drawing/2010/main">
+        <mc:Choice Requires="a14">
           <p:sp>
             <p:nvSpPr>
               <p:cNvPr id="36" name="TextBox 35">
@@ -15648,7 +15641,7 @@
             </p:txBody>
           </p:sp>
         </mc:Choice>
-        <mc:Fallback>
+        <mc:Fallback xmlns="">
           <p:sp>
             <p:nvSpPr>
               <p:cNvPr id="36" name="TextBox 35">
@@ -18932,8 +18925,8 @@
           </a:p>
         </p:txBody>
       </p:sp>
-      <mc:AlternateContent xmlns:mc="http://schemas.openxmlformats.org/markup-compatibility/2006">
-        <mc:Choice xmlns:a14="http://schemas.microsoft.com/office/drawing/2010/main" Requires="a14">
+      <mc:AlternateContent xmlns:mc="http://schemas.openxmlformats.org/markup-compatibility/2006" xmlns:a14="http://schemas.microsoft.com/office/drawing/2010/main">
+        <mc:Choice Requires="a14">
           <p:sp>
             <p:nvSpPr>
               <p:cNvPr id="36" name="TextBox 35">
@@ -19658,7 +19651,7 @@
             </p:txBody>
           </p:sp>
         </mc:Choice>
-        <mc:Fallback>
+        <mc:Fallback xmlns="">
           <p:sp>
             <p:nvSpPr>
               <p:cNvPr id="36" name="TextBox 35">
@@ -21895,8 +21888,8 @@
           </a:prstGeom>
         </p:spPr>
       </p:pic>
-      <mc:AlternateContent xmlns:mc="http://schemas.openxmlformats.org/markup-compatibility/2006">
-        <mc:Choice xmlns:a14="http://schemas.microsoft.com/office/drawing/2010/main" Requires="a14">
+      <mc:AlternateContent xmlns:mc="http://schemas.openxmlformats.org/markup-compatibility/2006" xmlns:a14="http://schemas.microsoft.com/office/drawing/2010/main">
+        <mc:Choice Requires="a14">
           <p:sp>
             <p:nvSpPr>
               <p:cNvPr id="23" name="TextBox 22">
@@ -24377,7 +24370,7 @@
             </p:txBody>
           </p:sp>
         </mc:Choice>
-        <mc:Fallback>
+        <mc:Fallback xmlns="">
           <p:sp>
             <p:nvSpPr>
               <p:cNvPr id="23" name="TextBox 22">
@@ -29008,8 +29001,8 @@
           </a:p>
         </p:txBody>
       </p:sp>
-      <mc:AlternateContent xmlns:mc="http://schemas.openxmlformats.org/markup-compatibility/2006">
-        <mc:Choice xmlns:a14="http://schemas.microsoft.com/office/drawing/2010/main" Requires="a14">
+      <mc:AlternateContent xmlns:mc="http://schemas.openxmlformats.org/markup-compatibility/2006" xmlns:a14="http://schemas.microsoft.com/office/drawing/2010/main">
+        <mc:Choice Requires="a14">
           <p:sp>
             <p:nvSpPr>
               <p:cNvPr id="36" name="TextBox 35">
@@ -29624,7 +29617,7 @@
             </p:txBody>
           </p:sp>
         </mc:Choice>
-        <mc:Fallback>
+        <mc:Fallback xmlns="">
           <p:sp>
             <p:nvSpPr>
               <p:cNvPr id="36" name="TextBox 35">
@@ -29877,16 +29870,7 @@
                         </a:solidFill>
                         <a:latin typeface="Cambria Math" panose="02040503050406030204" pitchFamily="18" charset="0"/>
                       </a:rPr>
-                      <m:t>+</m:t>
-                    </m:r>
-                    <m:r>
-                      <a:rPr lang="en-US" sz="2000" i="1">
-                        <a:solidFill>
-                          <a:srgbClr val="404040"/>
-                        </a:solidFill>
-                        <a:latin typeface="Cambria Math" panose="02040503050406030204" pitchFamily="18" charset="0"/>
-                      </a:rPr>
-                      <m:t>0.05</m:t>
+                      <m:t>+0.05</m:t>
                     </m:r>
                     <m:sSub>
                       <m:sSubPr>
@@ -29929,16 +29913,7 @@
                         </a:solidFill>
                         <a:latin typeface="Cambria Math" panose="02040503050406030204" pitchFamily="18" charset="0"/>
                       </a:rPr>
-                      <m:t>+</m:t>
-                    </m:r>
-                    <m:r>
-                      <a:rPr lang="en-US" sz="2000" i="1">
-                        <a:solidFill>
-                          <a:srgbClr val="404040"/>
-                        </a:solidFill>
-                        <a:latin typeface="Cambria Math" panose="02040503050406030204" pitchFamily="18" charset="0"/>
-                      </a:rPr>
-                      <m:t>0.065</m:t>
+                      <m:t>+0.065</m:t>
                     </m:r>
                     <m:sSub>
                       <m:sSubPr>
@@ -29981,16 +29956,7 @@
                         </a:solidFill>
                         <a:latin typeface="Cambria Math" panose="02040503050406030204" pitchFamily="18" charset="0"/>
                       </a:rPr>
-                      <m:t>+</m:t>
-                    </m:r>
-                    <m:r>
-                      <a:rPr lang="en-US" sz="2000" i="1">
-                        <a:solidFill>
-                          <a:srgbClr val="404040"/>
-                        </a:solidFill>
-                        <a:latin typeface="Cambria Math" panose="02040503050406030204" pitchFamily="18" charset="0"/>
-                      </a:rPr>
-                      <m:t>0.13</m:t>
+                      <m:t>+0.13</m:t>
                     </m:r>
                     <m:sSub>
                       <m:sSubPr>
@@ -30237,7 +30203,6 @@
                 </a:endParaRPr>
               </a:p>
               <a:p>
-                <a:pPr/>
                 <a:r>
                   <a:rPr lang="en-US" sz="2000" dirty="0">
                     <a:solidFill>
@@ -30494,7 +30459,6 @@
                 </a:endParaRPr>
               </a:p>
               <a:p>
-                <a:pPr/>
                 <a:r>
                   <a:rPr lang="en-US" sz="2000" dirty="0">
                     <a:solidFill>
@@ -30678,7 +30642,6 @@
                 </a:endParaRPr>
               </a:p>
               <a:p>
-                <a:pPr/>
                 <a:r>
                   <a:rPr lang="en-US" sz="2000" i="1" dirty="0">
                     <a:solidFill>
@@ -30976,134 +30939,32 @@
                       </m:den>
                     </m:f>
                     <m:r>
-                      <a:rPr lang="en-US" sz="2000" i="1">
+                      <a:rPr lang="en-US" sz="2000" b="0" i="1" smtClean="0">
                         <a:solidFill>
                           <a:srgbClr val="404040"/>
                         </a:solidFill>
                         <a:latin typeface="Cambria Math" panose="02040503050406030204" pitchFamily="18" charset="0"/>
                       </a:rPr>
-                      <m:t>≤</m:t>
+                      <m:t>≥</m:t>
                     </m:r>
-                    <m:sSub>
-                      <m:sSubPr>
-                        <m:ctrlPr>
-                          <a:rPr lang="en-US" sz="2000" i="1">
-                            <a:solidFill>
-                              <a:srgbClr val="404040"/>
-                            </a:solidFill>
-                            <a:latin typeface="Cambria Math" panose="02040503050406030204" pitchFamily="18" charset="0"/>
-                          </a:rPr>
-                        </m:ctrlPr>
-                      </m:sSubPr>
-                      <m:e>
-                        <m:r>
-                          <a:rPr lang="en-US" sz="2000" i="1">
-                            <a:solidFill>
-                              <a:srgbClr val="404040"/>
-                            </a:solidFill>
-                            <a:latin typeface="Cambria Math" panose="02040503050406030204" pitchFamily="18" charset="0"/>
-                          </a:rPr>
-                          <m:t>𝑥</m:t>
-                        </m:r>
-                      </m:e>
-                      <m:sub>
-                        <m:r>
-                          <a:rPr lang="en-US" sz="2000" i="1">
-                            <a:solidFill>
-                              <a:srgbClr val="404040"/>
-                            </a:solidFill>
-                            <a:latin typeface="Cambria Math" panose="02040503050406030204" pitchFamily="18" charset="0"/>
-                          </a:rPr>
-                          <m:t>1</m:t>
-                        </m:r>
-                      </m:sub>
-                    </m:sSub>
                     <m:r>
-                      <a:rPr lang="en-US" sz="2000" i="1">
+                      <a:rPr lang="en-US" sz="2000" i="1" smtClean="0">
                         <a:solidFill>
                           <a:srgbClr val="404040"/>
                         </a:solidFill>
                         <a:latin typeface="Cambria Math" panose="02040503050406030204" pitchFamily="18" charset="0"/>
                       </a:rPr>
-                      <m:t>+</m:t>
+                      <m:t>0</m:t>
                     </m:r>
-                    <m:sSub>
-                      <m:sSubPr>
-                        <m:ctrlPr>
-                          <a:rPr lang="en-US" sz="2000" i="1">
-                            <a:solidFill>
-                              <a:srgbClr val="404040"/>
-                            </a:solidFill>
-                            <a:latin typeface="Cambria Math" panose="02040503050406030204" pitchFamily="18" charset="0"/>
-                          </a:rPr>
-                        </m:ctrlPr>
-                      </m:sSubPr>
-                      <m:e>
-                        <m:r>
-                          <a:rPr lang="en-US" sz="2000" i="1">
-                            <a:solidFill>
-                              <a:srgbClr val="404040"/>
-                            </a:solidFill>
-                            <a:latin typeface="Cambria Math" panose="02040503050406030204" pitchFamily="18" charset="0"/>
-                          </a:rPr>
-                          <m:t>𝑥</m:t>
-                        </m:r>
-                      </m:e>
-                      <m:sub>
-                        <m:r>
-                          <a:rPr lang="en-US" sz="2000" i="1">
-                            <a:solidFill>
-                              <a:srgbClr val="404040"/>
-                            </a:solidFill>
-                            <a:latin typeface="Cambria Math" panose="02040503050406030204" pitchFamily="18" charset="0"/>
-                          </a:rPr>
-                          <m:t>3</m:t>
-                        </m:r>
-                      </m:sub>
-                    </m:sSub>
                     <m:r>
-                      <a:rPr lang="en-US" sz="2000" i="1">
+                      <a:rPr lang="en-US" sz="2000" b="0" i="1" smtClean="0">
                         <a:solidFill>
                           <a:srgbClr val="404040"/>
                         </a:solidFill>
                         <a:latin typeface="Cambria Math" panose="02040503050406030204" pitchFamily="18" charset="0"/>
                       </a:rPr>
-                      <m:t>+</m:t>
+                      <m:t>.3</m:t>
                     </m:r>
-                    <m:sSub>
-                      <m:sSubPr>
-                        <m:ctrlPr>
-                          <a:rPr lang="en-US" sz="2000" i="1">
-                            <a:solidFill>
-                              <a:srgbClr val="404040"/>
-                            </a:solidFill>
-                            <a:latin typeface="Cambria Math" panose="02040503050406030204" pitchFamily="18" charset="0"/>
-                          </a:rPr>
-                        </m:ctrlPr>
-                      </m:sSubPr>
-                      <m:e>
-                        <m:r>
-                          <a:rPr lang="en-US" sz="2000" i="1">
-                            <a:solidFill>
-                              <a:srgbClr val="404040"/>
-                            </a:solidFill>
-                            <a:latin typeface="Cambria Math" panose="02040503050406030204" pitchFamily="18" charset="0"/>
-                          </a:rPr>
-                          <m:t>𝑥</m:t>
-                        </m:r>
-                      </m:e>
-                      <m:sub>
-                        <m:r>
-                          <a:rPr lang="en-US" sz="2000" i="1">
-                            <a:solidFill>
-                              <a:srgbClr val="404040"/>
-                            </a:solidFill>
-                            <a:latin typeface="Cambria Math" panose="02040503050406030204" pitchFamily="18" charset="0"/>
-                          </a:rPr>
-                          <m:t>4</m:t>
-                        </m:r>
-                      </m:sub>
-                    </m:sSub>
                   </m:oMath>
                 </a14:m>
                 <a:endParaRPr lang="en-US" sz="2000" i="1" dirty="0">
@@ -31114,7 +30975,6 @@
                 </a:endParaRPr>
               </a:p>
               <a:p>
-                <a:pPr/>
                 <a:r>
                   <a:rPr lang="en-US" sz="2000" dirty="0">
                     <a:solidFill>
@@ -31343,7 +31203,6 @@
                 </a:endParaRPr>
               </a:p>
               <a:p>
-                <a:pPr/>
                 <a:r>
                   <a:rPr lang="en-US" sz="2000" dirty="0">
                     <a:solidFill>
@@ -31536,7 +31395,6 @@
                 </a:endParaRPr>
               </a:p>
               <a:p>
-                <a:pPr/>
                 <a:endParaRPr lang="en-US" sz="2000" i="1" dirty="0">
                   <a:solidFill>
                     <a:srgbClr val="404040"/>
@@ -31545,7 +31403,6 @@
                 </a:endParaRPr>
               </a:p>
               <a:p>
-                <a:pPr/>
                 <a:r>
                   <a:rPr lang="en-US" sz="2000" i="1" dirty="0">
                     <a:solidFill>
@@ -32374,8 +32231,8 @@
           </a:p>
         </p:txBody>
       </p:sp>
-      <mc:AlternateContent xmlns:mc="http://schemas.openxmlformats.org/markup-compatibility/2006">
-        <mc:Choice xmlns:a14="http://schemas.microsoft.com/office/drawing/2010/main" Requires="a14">
+      <mc:AlternateContent xmlns:mc="http://schemas.openxmlformats.org/markup-compatibility/2006" xmlns:a14="http://schemas.microsoft.com/office/drawing/2010/main">
+        <mc:Choice Requires="a14">
           <p:sp>
             <p:nvSpPr>
               <p:cNvPr id="36" name="TextBox 35">
@@ -32611,7 +32468,7 @@
                     <m:d>
                       <m:dPr>
                         <m:ctrlPr>
-                          <a:rPr lang="en-US" sz="2000" b="0" i="0" smtClean="0">
+                          <a:rPr lang="en-US" sz="2000" b="0" i="1" smtClean="0">
                             <a:solidFill>
                               <a:srgbClr val="404040"/>
                             </a:solidFill>
@@ -32830,7 +32687,7 @@
             </p:txBody>
           </p:sp>
         </mc:Choice>
-        <mc:Fallback>
+        <mc:Fallback xmlns="">
           <p:sp>
             <p:nvSpPr>
               <p:cNvPr id="36" name="TextBox 35">
@@ -32992,8 +32849,8 @@
           </a:prstGeom>
         </p:spPr>
       </p:pic>
-      <mc:AlternateContent xmlns:mc="http://schemas.openxmlformats.org/markup-compatibility/2006">
-        <mc:Choice xmlns:a14="http://schemas.microsoft.com/office/drawing/2010/main" Requires="a14">
+      <mc:AlternateContent xmlns:mc="http://schemas.openxmlformats.org/markup-compatibility/2006" xmlns:a14="http://schemas.microsoft.com/office/drawing/2010/main">
+        <mc:Choice Requires="a14">
           <p:sp>
             <p:nvSpPr>
               <p:cNvPr id="23" name="TextBox 22">
@@ -33083,16 +32940,7 @@
                         </a:solidFill>
                         <a:latin typeface="Cambria Math" panose="02040503050406030204" pitchFamily="18" charset="0"/>
                       </a:rPr>
-                      <m:t>+</m:t>
-                    </m:r>
-                    <m:r>
-                      <a:rPr lang="en-US" sz="2000" i="1">
-                        <a:solidFill>
-                          <a:srgbClr val="404040"/>
-                        </a:solidFill>
-                        <a:latin typeface="Cambria Math" panose="02040503050406030204" pitchFamily="18" charset="0"/>
-                      </a:rPr>
-                      <m:t>0.05</m:t>
+                      <m:t>+0.05</m:t>
                     </m:r>
                     <m:sSub>
                       <m:sSubPr>
@@ -33135,16 +32983,7 @@
                         </a:solidFill>
                         <a:latin typeface="Cambria Math" panose="02040503050406030204" pitchFamily="18" charset="0"/>
                       </a:rPr>
-                      <m:t>+</m:t>
-                    </m:r>
-                    <m:r>
-                      <a:rPr lang="en-US" sz="2000" i="1">
-                        <a:solidFill>
-                          <a:srgbClr val="404040"/>
-                        </a:solidFill>
-                        <a:latin typeface="Cambria Math" panose="02040503050406030204" pitchFamily="18" charset="0"/>
-                      </a:rPr>
-                      <m:t>0.065</m:t>
+                      <m:t>+0.065</m:t>
                     </m:r>
                     <m:sSub>
                       <m:sSubPr>
@@ -33187,16 +33026,7 @@
                         </a:solidFill>
                         <a:latin typeface="Cambria Math" panose="02040503050406030204" pitchFamily="18" charset="0"/>
                       </a:rPr>
-                      <m:t>+</m:t>
-                    </m:r>
-                    <m:r>
-                      <a:rPr lang="en-US" sz="2000" i="1">
-                        <a:solidFill>
-                          <a:srgbClr val="404040"/>
-                        </a:solidFill>
-                        <a:latin typeface="Cambria Math" panose="02040503050406030204" pitchFamily="18" charset="0"/>
-                      </a:rPr>
-                      <m:t>0.13</m:t>
+                      <m:t>+0.13</m:t>
                     </m:r>
                     <m:sSub>
                       <m:sSubPr>
@@ -33443,7 +33273,6 @@
                 </a:endParaRPr>
               </a:p>
               <a:p>
-                <a:pPr/>
                 <a:r>
                   <a:rPr lang="en-US" sz="2000" dirty="0">
                     <a:solidFill>
@@ -33654,7 +33483,6 @@
                 </a:endParaRPr>
               </a:p>
               <a:p>
-                <a:pPr/>
                 <a:r>
                   <a:rPr lang="en-US" sz="2000" b="0" dirty="0">
                     <a:solidFill>
@@ -33856,7 +33684,6 @@
                 </a:endParaRPr>
               </a:p>
               <a:p>
-                <a:pPr/>
                 <a:r>
                   <a:rPr lang="en-US" sz="2000" dirty="0">
                     <a:solidFill>
@@ -34103,7 +33930,6 @@
                 </a:endParaRPr>
               </a:p>
               <a:p>
-                <a:pPr/>
                 <a:r>
                   <a:rPr lang="en-US" sz="2000" b="0" dirty="0">
                     <a:solidFill>
@@ -34314,7 +34140,6 @@
                 </a:endParaRPr>
               </a:p>
               <a:p>
-                <a:pPr/>
                 <a:r>
                   <a:rPr lang="en-US" sz="2000" dirty="0">
                     <a:solidFill>
@@ -34509,7 +34334,7 @@
             </p:txBody>
           </p:sp>
         </mc:Choice>
-        <mc:Fallback>
+        <mc:Fallback xmlns="">
           <p:sp>
             <p:nvSpPr>
               <p:cNvPr id="23" name="TextBox 22">

--- a/Lectures/Lecture 7/Lecture 7.pptx
+++ b/Lectures/Lecture 7/Lecture 7.pptx
@@ -230,7 +230,7 @@
           <a:p>
             <a:fld id="{467FE51A-BC06-4E6F-B1DA-B477364E598F}" type="datetimeFigureOut">
               <a:rPr lang="en-US" smtClean="0"/>
-              <a:t>1/27/2020</a:t>
+              <a:t>2/7/2021</a:t>
             </a:fld>
             <a:endParaRPr lang="en-US"/>
           </a:p>
@@ -644,7 +644,7 @@
           <a:p>
             <a:fld id="{11C4ABE2-2F1A-4C31-A43A-C3E7CE49CE95}" type="datetimeFigureOut">
               <a:rPr lang="en-US" smtClean="0"/>
-              <a:t>1/27/2020</a:t>
+              <a:t>2/7/2021</a:t>
             </a:fld>
             <a:endParaRPr lang="en-US"/>
           </a:p>
@@ -842,7 +842,7 @@
           <a:p>
             <a:fld id="{11C4ABE2-2F1A-4C31-A43A-C3E7CE49CE95}" type="datetimeFigureOut">
               <a:rPr lang="en-US" smtClean="0"/>
-              <a:t>1/27/2020</a:t>
+              <a:t>2/7/2021</a:t>
             </a:fld>
             <a:endParaRPr lang="en-US"/>
           </a:p>
@@ -1050,7 +1050,7 @@
           <a:p>
             <a:fld id="{11C4ABE2-2F1A-4C31-A43A-C3E7CE49CE95}" type="datetimeFigureOut">
               <a:rPr lang="en-US" smtClean="0"/>
-              <a:t>1/27/2020</a:t>
+              <a:t>2/7/2021</a:t>
             </a:fld>
             <a:endParaRPr lang="en-US"/>
           </a:p>
@@ -1248,7 +1248,7 @@
           <a:p>
             <a:fld id="{11C4ABE2-2F1A-4C31-A43A-C3E7CE49CE95}" type="datetimeFigureOut">
               <a:rPr lang="en-US" smtClean="0"/>
-              <a:t>1/27/2020</a:t>
+              <a:t>2/7/2021</a:t>
             </a:fld>
             <a:endParaRPr lang="en-US"/>
           </a:p>
@@ -1523,7 +1523,7 @@
           <a:p>
             <a:fld id="{11C4ABE2-2F1A-4C31-A43A-C3E7CE49CE95}" type="datetimeFigureOut">
               <a:rPr lang="en-US" smtClean="0"/>
-              <a:t>1/27/2020</a:t>
+              <a:t>2/7/2021</a:t>
             </a:fld>
             <a:endParaRPr lang="en-US"/>
           </a:p>
@@ -1788,7 +1788,7 @@
           <a:p>
             <a:fld id="{11C4ABE2-2F1A-4C31-A43A-C3E7CE49CE95}" type="datetimeFigureOut">
               <a:rPr lang="en-US" smtClean="0"/>
-              <a:t>1/27/2020</a:t>
+              <a:t>2/7/2021</a:t>
             </a:fld>
             <a:endParaRPr lang="en-US"/>
           </a:p>
@@ -2200,7 +2200,7 @@
           <a:p>
             <a:fld id="{11C4ABE2-2F1A-4C31-A43A-C3E7CE49CE95}" type="datetimeFigureOut">
               <a:rPr lang="en-US" smtClean="0"/>
-              <a:t>1/27/2020</a:t>
+              <a:t>2/7/2021</a:t>
             </a:fld>
             <a:endParaRPr lang="en-US"/>
           </a:p>
@@ -2341,7 +2341,7 @@
           <a:p>
             <a:fld id="{11C4ABE2-2F1A-4C31-A43A-C3E7CE49CE95}" type="datetimeFigureOut">
               <a:rPr lang="en-US" smtClean="0"/>
-              <a:t>1/27/2020</a:t>
+              <a:t>2/7/2021</a:t>
             </a:fld>
             <a:endParaRPr lang="en-US"/>
           </a:p>
@@ -2454,7 +2454,7 @@
           <a:p>
             <a:fld id="{11C4ABE2-2F1A-4C31-A43A-C3E7CE49CE95}" type="datetimeFigureOut">
               <a:rPr lang="en-US" smtClean="0"/>
-              <a:t>1/27/2020</a:t>
+              <a:t>2/7/2021</a:t>
             </a:fld>
             <a:endParaRPr lang="en-US"/>
           </a:p>
@@ -2765,7 +2765,7 @@
           <a:p>
             <a:fld id="{11C4ABE2-2F1A-4C31-A43A-C3E7CE49CE95}" type="datetimeFigureOut">
               <a:rPr lang="en-US" smtClean="0"/>
-              <a:t>1/27/2020</a:t>
+              <a:t>2/7/2021</a:t>
             </a:fld>
             <a:endParaRPr lang="en-US"/>
           </a:p>
@@ -3053,7 +3053,7 @@
           <a:p>
             <a:fld id="{11C4ABE2-2F1A-4C31-A43A-C3E7CE49CE95}" type="datetimeFigureOut">
               <a:rPr lang="en-US" smtClean="0"/>
-              <a:t>1/27/2020</a:t>
+              <a:t>2/7/2021</a:t>
             </a:fld>
             <a:endParaRPr lang="en-US"/>
           </a:p>
@@ -3294,7 +3294,7 @@
           <a:p>
             <a:fld id="{11C4ABE2-2F1A-4C31-A43A-C3E7CE49CE95}" type="datetimeFigureOut">
               <a:rPr lang="en-US" smtClean="0"/>
-              <a:t>1/27/2020</a:t>
+              <a:t>2/7/2021</a:t>
             </a:fld>
             <a:endParaRPr lang="en-US"/>
           </a:p>
@@ -14211,7 +14211,7 @@
                 </a:solidFill>
                 <a:latin typeface="Corbel" panose="020B0503020204020204" pitchFamily="34" charset="0"/>
               </a:rPr>
-              <a:t>=SUMPRODUCT(B5:D7, B15,D17)</a:t>
+              <a:t>=SUMPRODUCT(B5:D7, B15:D17)</a:t>
             </a:r>
           </a:p>
         </p:txBody>
@@ -29779,8 +29779,8 @@
           </a:prstGeom>
         </p:spPr>
       </p:pic>
-      <mc:AlternateContent xmlns:mc="http://schemas.openxmlformats.org/markup-compatibility/2006">
-        <mc:Choice xmlns:a14="http://schemas.microsoft.com/office/drawing/2010/main" Requires="a14">
+      <mc:AlternateContent xmlns:mc="http://schemas.openxmlformats.org/markup-compatibility/2006" xmlns:a14="http://schemas.microsoft.com/office/drawing/2010/main">
+        <mc:Choice Requires="a14">
           <p:sp>
             <p:nvSpPr>
               <p:cNvPr id="23" name="TextBox 22">
@@ -31416,7 +31416,7 @@
             </p:txBody>
           </p:sp>
         </mc:Choice>
-        <mc:Fallback>
+        <mc:Fallback xmlns="">
           <p:sp>
             <p:nvSpPr>
               <p:cNvPr id="23" name="TextBox 22">
